--- a/Docs/__mx_Standford_CS231N - Computer Vision.pptx
+++ b/Docs/__mx_Standford_CS231N - Computer Vision.pptx
@@ -11,6 +11,12 @@
     <p:sldId id="260" r:id="rId5"/>
     <p:sldId id="259" r:id="rId6"/>
     <p:sldId id="261" r:id="rId7"/>
+    <p:sldId id="262" r:id="rId8"/>
+    <p:sldId id="263" r:id="rId9"/>
+    <p:sldId id="264" r:id="rId10"/>
+    <p:sldId id="265" r:id="rId11"/>
+    <p:sldId id="266" r:id="rId12"/>
+    <p:sldId id="267" r:id="rId13"/>
   </p:sldIdLst>
   <p:sldSz cx="12192000" cy="6858000"/>
   <p:notesSz cx="6858000" cy="9144000"/>
@@ -266,7 +272,7 @@
           <a:p>
             <a:fld id="{7B1702ED-90B3-4B6D-8097-8FF558A77AD0}" type="datetimeFigureOut">
               <a:rPr lang="en-CA" smtClean="0"/>
-              <a:t>2025-11-16</a:t>
+              <a:t>2025-11-17</a:t>
             </a:fld>
             <a:endParaRPr lang="en-CA"/>
           </a:p>
@@ -466,7 +472,7 @@
           <a:p>
             <a:fld id="{7B1702ED-90B3-4B6D-8097-8FF558A77AD0}" type="datetimeFigureOut">
               <a:rPr lang="en-CA" smtClean="0"/>
-              <a:t>2025-11-16</a:t>
+              <a:t>2025-11-17</a:t>
             </a:fld>
             <a:endParaRPr lang="en-CA"/>
           </a:p>
@@ -676,7 +682,7 @@
           <a:p>
             <a:fld id="{7B1702ED-90B3-4B6D-8097-8FF558A77AD0}" type="datetimeFigureOut">
               <a:rPr lang="en-CA" smtClean="0"/>
-              <a:t>2025-11-16</a:t>
+              <a:t>2025-11-17</a:t>
             </a:fld>
             <a:endParaRPr lang="en-CA"/>
           </a:p>
@@ -876,7 +882,7 @@
           <a:p>
             <a:fld id="{7B1702ED-90B3-4B6D-8097-8FF558A77AD0}" type="datetimeFigureOut">
               <a:rPr lang="en-CA" smtClean="0"/>
-              <a:t>2025-11-16</a:t>
+              <a:t>2025-11-17</a:t>
             </a:fld>
             <a:endParaRPr lang="en-CA"/>
           </a:p>
@@ -1152,7 +1158,7 @@
           <a:p>
             <a:fld id="{7B1702ED-90B3-4B6D-8097-8FF558A77AD0}" type="datetimeFigureOut">
               <a:rPr lang="en-CA" smtClean="0"/>
-              <a:t>2025-11-16</a:t>
+              <a:t>2025-11-17</a:t>
             </a:fld>
             <a:endParaRPr lang="en-CA"/>
           </a:p>
@@ -1420,7 +1426,7 @@
           <a:p>
             <a:fld id="{7B1702ED-90B3-4B6D-8097-8FF558A77AD0}" type="datetimeFigureOut">
               <a:rPr lang="en-CA" smtClean="0"/>
-              <a:t>2025-11-16</a:t>
+              <a:t>2025-11-17</a:t>
             </a:fld>
             <a:endParaRPr lang="en-CA"/>
           </a:p>
@@ -1835,7 +1841,7 @@
           <a:p>
             <a:fld id="{7B1702ED-90B3-4B6D-8097-8FF558A77AD0}" type="datetimeFigureOut">
               <a:rPr lang="en-CA" smtClean="0"/>
-              <a:t>2025-11-16</a:t>
+              <a:t>2025-11-17</a:t>
             </a:fld>
             <a:endParaRPr lang="en-CA"/>
           </a:p>
@@ -1977,7 +1983,7 @@
           <a:p>
             <a:fld id="{7B1702ED-90B3-4B6D-8097-8FF558A77AD0}" type="datetimeFigureOut">
               <a:rPr lang="en-CA" smtClean="0"/>
-              <a:t>2025-11-16</a:t>
+              <a:t>2025-11-17</a:t>
             </a:fld>
             <a:endParaRPr lang="en-CA"/>
           </a:p>
@@ -2090,7 +2096,7 @@
           <a:p>
             <a:fld id="{7B1702ED-90B3-4B6D-8097-8FF558A77AD0}" type="datetimeFigureOut">
               <a:rPr lang="en-CA" smtClean="0"/>
-              <a:t>2025-11-16</a:t>
+              <a:t>2025-11-17</a:t>
             </a:fld>
             <a:endParaRPr lang="en-CA"/>
           </a:p>
@@ -2403,7 +2409,7 @@
           <a:p>
             <a:fld id="{7B1702ED-90B3-4B6D-8097-8FF558A77AD0}" type="datetimeFigureOut">
               <a:rPr lang="en-CA" smtClean="0"/>
-              <a:t>2025-11-16</a:t>
+              <a:t>2025-11-17</a:t>
             </a:fld>
             <a:endParaRPr lang="en-CA"/>
           </a:p>
@@ -2692,7 +2698,7 @@
           <a:p>
             <a:fld id="{7B1702ED-90B3-4B6D-8097-8FF558A77AD0}" type="datetimeFigureOut">
               <a:rPr lang="en-CA" smtClean="0"/>
-              <a:t>2025-11-16</a:t>
+              <a:t>2025-11-17</a:t>
             </a:fld>
             <a:endParaRPr lang="en-CA"/>
           </a:p>
@@ -2935,7 +2941,7 @@
           <a:p>
             <a:fld id="{7B1702ED-90B3-4B6D-8097-8FF558A77AD0}" type="datetimeFigureOut">
               <a:rPr lang="en-CA" smtClean="0"/>
-              <a:t>2025-11-16</a:t>
+              <a:t>2025-11-17</a:t>
             </a:fld>
             <a:endParaRPr lang="en-CA"/>
           </a:p>
@@ -3424,6 +3430,384 @@
 </p:sld>
 </file>
 
+<file path=ppt/slides/slide10.xml><?xml version="1.0" encoding="utf-8"?>
+<p:sld xmlns:a="http://schemas.openxmlformats.org/drawingml/2006/main" xmlns:r="http://schemas.openxmlformats.org/officeDocument/2006/relationships" xmlns:p="http://schemas.openxmlformats.org/presentationml/2006/main">
+  <p:cSld>
+    <p:spTree>
+      <p:nvGrpSpPr>
+        <p:cNvPr id="1" name=""/>
+        <p:cNvGrpSpPr/>
+        <p:nvPr/>
+      </p:nvGrpSpPr>
+      <p:grpSpPr>
+        <a:xfrm>
+          <a:off x="0" y="0"/>
+          <a:ext cx="0" cy="0"/>
+          <a:chOff x="0" y="0"/>
+          <a:chExt cx="0" cy="0"/>
+        </a:xfrm>
+      </p:grpSpPr>
+      <p:sp>
+        <p:nvSpPr>
+          <p:cNvPr id="2" name="Title 1">
+            <a:extLst>
+              <a:ext uri="{FF2B5EF4-FFF2-40B4-BE49-F238E27FC236}">
+                <a16:creationId xmlns:a16="http://schemas.microsoft.com/office/drawing/2014/main" id="{14889C42-A3DA-C755-6301-C35060328F09}"/>
+              </a:ext>
+            </a:extLst>
+          </p:cNvPr>
+          <p:cNvSpPr>
+            <a:spLocks noGrp="1"/>
+          </p:cNvSpPr>
+          <p:nvPr>
+            <p:ph type="title"/>
+          </p:nvPr>
+        </p:nvSpPr>
+        <p:spPr/>
+        <p:txBody>
+          <a:bodyPr/>
+          <a:lstStyle/>
+          <a:p>
+            <a:r>
+              <a:rPr lang="en-CA" dirty="0"/>
+              <a:t>Lecture 3</a:t>
+            </a:r>
+          </a:p>
+        </p:txBody>
+      </p:sp>
+      <p:sp>
+        <p:nvSpPr>
+          <p:cNvPr id="3" name="Content Placeholder 2">
+            <a:extLst>
+              <a:ext uri="{FF2B5EF4-FFF2-40B4-BE49-F238E27FC236}">
+                <a16:creationId xmlns:a16="http://schemas.microsoft.com/office/drawing/2014/main" id="{90153350-FC99-C781-A7D4-B6323D84C73A}"/>
+              </a:ext>
+            </a:extLst>
+          </p:cNvPr>
+          <p:cNvSpPr>
+            <a:spLocks noGrp="1"/>
+          </p:cNvSpPr>
+          <p:nvPr>
+            <p:ph idx="1"/>
+          </p:nvPr>
+        </p:nvSpPr>
+        <p:spPr/>
+        <p:txBody>
+          <a:bodyPr>
+            <a:normAutofit/>
+          </a:bodyPr>
+          <a:lstStyle/>
+          <a:p>
+            <a:r>
+              <a:rPr lang="en-CA" dirty="0"/>
+              <a:t>Regularization:</a:t>
+            </a:r>
+          </a:p>
+          <a:p>
+            <a:pPr lvl="1"/>
+            <a:r>
+              <a:rPr lang="en-CA" dirty="0"/>
+              <a:t>Data loss:  Model predications should match training data</a:t>
+            </a:r>
+          </a:p>
+          <a:p>
+            <a:pPr lvl="1"/>
+            <a:r>
+              <a:rPr lang="en-CA" dirty="0"/>
+              <a:t>Regularization – prevent the model from doing too well on training data</a:t>
+            </a:r>
+          </a:p>
+          <a:p>
+            <a:pPr lvl="1"/>
+            <a:r>
+              <a:rPr lang="en-CA" dirty="0"/>
+              <a:t>Occam’s Razor:  among multiple competing </a:t>
+            </a:r>
+            <a:r>
+              <a:rPr lang="en-CA" dirty="0" err="1"/>
+              <a:t>hypoetheses</a:t>
+            </a:r>
+            <a:r>
+              <a:rPr lang="en-CA" dirty="0"/>
+              <a:t>, the simplest is the best.   William of Ockham 1285-1347</a:t>
+            </a:r>
+          </a:p>
+          <a:p>
+            <a:endParaRPr lang="en-CA" dirty="0"/>
+          </a:p>
+          <a:p>
+            <a:pPr lvl="1"/>
+            <a:r>
+              <a:rPr lang="en-CA" dirty="0"/>
+              <a:t>Lambda – regularization strength (hyperparameter)</a:t>
+            </a:r>
+          </a:p>
+          <a:p>
+            <a:pPr lvl="1"/>
+            <a:r>
+              <a:rPr lang="en-CA" dirty="0"/>
+              <a:t>L2 Regularization</a:t>
+            </a:r>
+          </a:p>
+          <a:p>
+            <a:pPr lvl="1"/>
+            <a:r>
+              <a:rPr lang="en-CA" dirty="0"/>
+              <a:t>L1 Regularization </a:t>
+            </a:r>
+          </a:p>
+          <a:p>
+            <a:pPr lvl="1"/>
+            <a:r>
+              <a:rPr lang="en-CA"/>
+              <a:t>Elastic </a:t>
+            </a:r>
+            <a:r>
+              <a:rPr lang="en-CA" dirty="0"/>
+              <a:t>net (L1+L2)</a:t>
+            </a:r>
+          </a:p>
+        </p:txBody>
+      </p:sp>
+    </p:spTree>
+    <p:extLst>
+      <p:ext uri="{BB962C8B-B14F-4D97-AF65-F5344CB8AC3E}">
+        <p14:creationId xmlns:p14="http://schemas.microsoft.com/office/powerpoint/2010/main" val="1031782337"/>
+      </p:ext>
+    </p:extLst>
+  </p:cSld>
+  <p:clrMapOvr>
+    <a:masterClrMapping/>
+  </p:clrMapOvr>
+</p:sld>
+</file>
+
+<file path=ppt/slides/slide11.xml><?xml version="1.0" encoding="utf-8"?>
+<p:sld xmlns:a="http://schemas.openxmlformats.org/drawingml/2006/main" xmlns:r="http://schemas.openxmlformats.org/officeDocument/2006/relationships" xmlns:p="http://schemas.openxmlformats.org/presentationml/2006/main">
+  <p:cSld>
+    <p:spTree>
+      <p:nvGrpSpPr>
+        <p:cNvPr id="1" name=""/>
+        <p:cNvGrpSpPr/>
+        <p:nvPr/>
+      </p:nvGrpSpPr>
+      <p:grpSpPr>
+        <a:xfrm>
+          <a:off x="0" y="0"/>
+          <a:ext cx="0" cy="0"/>
+          <a:chOff x="0" y="0"/>
+          <a:chExt cx="0" cy="0"/>
+        </a:xfrm>
+      </p:grpSpPr>
+      <p:sp>
+        <p:nvSpPr>
+          <p:cNvPr id="2" name="Title 1">
+            <a:extLst>
+              <a:ext uri="{FF2B5EF4-FFF2-40B4-BE49-F238E27FC236}">
+                <a16:creationId xmlns:a16="http://schemas.microsoft.com/office/drawing/2014/main" id="{25B938F1-7705-E135-33B0-BD9ACAAE3045}"/>
+              </a:ext>
+            </a:extLst>
+          </p:cNvPr>
+          <p:cNvSpPr>
+            <a:spLocks noGrp="1"/>
+          </p:cNvSpPr>
+          <p:nvPr>
+            <p:ph type="title"/>
+          </p:nvPr>
+        </p:nvSpPr>
+        <p:spPr/>
+        <p:txBody>
+          <a:bodyPr/>
+          <a:lstStyle/>
+          <a:p>
+            <a:r>
+              <a:rPr lang="en-CA" dirty="0"/>
+              <a:t>Regularization</a:t>
+            </a:r>
+          </a:p>
+        </p:txBody>
+      </p:sp>
+      <p:sp>
+        <p:nvSpPr>
+          <p:cNvPr id="3" name="Content Placeholder 2">
+            <a:extLst>
+              <a:ext uri="{FF2B5EF4-FFF2-40B4-BE49-F238E27FC236}">
+                <a16:creationId xmlns:a16="http://schemas.microsoft.com/office/drawing/2014/main" id="{5B96803B-A131-9808-E803-06E612C65D18}"/>
+              </a:ext>
+            </a:extLst>
+          </p:cNvPr>
+          <p:cNvSpPr>
+            <a:spLocks noGrp="1"/>
+          </p:cNvSpPr>
+          <p:nvPr>
+            <p:ph idx="1"/>
+          </p:nvPr>
+        </p:nvSpPr>
+        <p:spPr/>
+        <p:txBody>
+          <a:bodyPr/>
+          <a:lstStyle/>
+          <a:p>
+            <a:r>
+              <a:rPr lang="en-CA" dirty="0"/>
+              <a:t>Why regularize:</a:t>
+            </a:r>
+          </a:p>
+          <a:p>
+            <a:pPr lvl="1"/>
+            <a:r>
+              <a:rPr lang="en-CA" dirty="0"/>
+              <a:t>Express preferences over weights</a:t>
+            </a:r>
+          </a:p>
+          <a:p>
+            <a:pPr lvl="1"/>
+            <a:r>
+              <a:rPr lang="en-CA" dirty="0"/>
+              <a:t>Make the model simple so it works on test data</a:t>
+            </a:r>
+          </a:p>
+          <a:p>
+            <a:pPr lvl="1"/>
+            <a:r>
+              <a:rPr lang="en-CA" dirty="0"/>
+              <a:t>Improve optimization by adding curvature</a:t>
+            </a:r>
+          </a:p>
+          <a:p>
+            <a:endParaRPr lang="en-CA" dirty="0"/>
+          </a:p>
+          <a:p>
+            <a:r>
+              <a:rPr lang="en-CA" dirty="0"/>
+              <a:t>Optimization</a:t>
+            </a:r>
+          </a:p>
+        </p:txBody>
+      </p:sp>
+      <p:pic>
+        <p:nvPicPr>
+          <p:cNvPr id="7" name="Picture 6">
+            <a:extLst>
+              <a:ext uri="{FF2B5EF4-FFF2-40B4-BE49-F238E27FC236}">
+                <a16:creationId xmlns:a16="http://schemas.microsoft.com/office/drawing/2014/main" id="{87674041-80AF-79BC-7FCE-3081082AE828}"/>
+              </a:ext>
+            </a:extLst>
+          </p:cNvPr>
+          <p:cNvPicPr>
+            <a:picLocks noChangeAspect="1"/>
+          </p:cNvPicPr>
+          <p:nvPr/>
+        </p:nvPicPr>
+        <p:blipFill>
+          <a:blip r:embed="rId2"/>
+          <a:stretch>
+            <a:fillRect/>
+          </a:stretch>
+        </p:blipFill>
+        <p:spPr>
+          <a:xfrm>
+            <a:off x="4345354" y="3875004"/>
+            <a:ext cx="4876800" cy="2436896"/>
+          </a:xfrm>
+          <a:prstGeom prst="rect">
+            <a:avLst/>
+          </a:prstGeom>
+        </p:spPr>
+      </p:pic>
+    </p:spTree>
+    <p:extLst>
+      <p:ext uri="{BB962C8B-B14F-4D97-AF65-F5344CB8AC3E}">
+        <p14:creationId xmlns:p14="http://schemas.microsoft.com/office/powerpoint/2010/main" val="2880166155"/>
+      </p:ext>
+    </p:extLst>
+  </p:cSld>
+  <p:clrMapOvr>
+    <a:masterClrMapping/>
+  </p:clrMapOvr>
+</p:sld>
+</file>
+
+<file path=ppt/slides/slide12.xml><?xml version="1.0" encoding="utf-8"?>
+<p:sld xmlns:a="http://schemas.openxmlformats.org/drawingml/2006/main" xmlns:r="http://schemas.openxmlformats.org/officeDocument/2006/relationships" xmlns:p="http://schemas.openxmlformats.org/presentationml/2006/main">
+  <p:cSld>
+    <p:spTree>
+      <p:nvGrpSpPr>
+        <p:cNvPr id="1" name=""/>
+        <p:cNvGrpSpPr/>
+        <p:nvPr/>
+      </p:nvGrpSpPr>
+      <p:grpSpPr>
+        <a:xfrm>
+          <a:off x="0" y="0"/>
+          <a:ext cx="0" cy="0"/>
+          <a:chOff x="0" y="0"/>
+          <a:chExt cx="0" cy="0"/>
+        </a:xfrm>
+      </p:grpSpPr>
+      <p:sp>
+        <p:nvSpPr>
+          <p:cNvPr id="2" name="Title 1">
+            <a:extLst>
+              <a:ext uri="{FF2B5EF4-FFF2-40B4-BE49-F238E27FC236}">
+                <a16:creationId xmlns:a16="http://schemas.microsoft.com/office/drawing/2014/main" id="{94022257-1779-CED4-DEE3-743EAF2E97A0}"/>
+              </a:ext>
+            </a:extLst>
+          </p:cNvPr>
+          <p:cNvSpPr>
+            <a:spLocks noGrp="1"/>
+          </p:cNvSpPr>
+          <p:nvPr>
+            <p:ph type="title"/>
+          </p:nvPr>
+        </p:nvSpPr>
+        <p:spPr/>
+        <p:txBody>
+          <a:bodyPr/>
+          <a:lstStyle/>
+          <a:p>
+            <a:endParaRPr lang="en-CA"/>
+          </a:p>
+        </p:txBody>
+      </p:sp>
+      <p:sp>
+        <p:nvSpPr>
+          <p:cNvPr id="3" name="Content Placeholder 2">
+            <a:extLst>
+              <a:ext uri="{FF2B5EF4-FFF2-40B4-BE49-F238E27FC236}">
+                <a16:creationId xmlns:a16="http://schemas.microsoft.com/office/drawing/2014/main" id="{1427E71D-F5E1-2AB6-FE14-33EE38DD61ED}"/>
+              </a:ext>
+            </a:extLst>
+          </p:cNvPr>
+          <p:cNvSpPr>
+            <a:spLocks noGrp="1"/>
+          </p:cNvSpPr>
+          <p:nvPr>
+            <p:ph idx="1"/>
+          </p:nvPr>
+        </p:nvSpPr>
+        <p:spPr/>
+        <p:txBody>
+          <a:bodyPr/>
+          <a:lstStyle/>
+          <a:p>
+            <a:endParaRPr lang="en-CA"/>
+          </a:p>
+        </p:txBody>
+      </p:sp>
+    </p:spTree>
+    <p:extLst>
+      <p:ext uri="{BB962C8B-B14F-4D97-AF65-F5344CB8AC3E}">
+        <p14:creationId xmlns:p14="http://schemas.microsoft.com/office/powerpoint/2010/main" val="3559699271"/>
+      </p:ext>
+    </p:extLst>
+  </p:cSld>
+  <p:clrMapOvr>
+    <a:masterClrMapping/>
+  </p:clrMapOvr>
+</p:sld>
+</file>
+
 <file path=ppt/slides/slide2.xml><?xml version="1.0" encoding="utf-8"?>
 <p:sld xmlns:a="http://schemas.openxmlformats.org/drawingml/2006/main" xmlns:r="http://schemas.openxmlformats.org/officeDocument/2006/relationships" xmlns:p="http://schemas.openxmlformats.org/presentationml/2006/main">
   <p:cSld>
@@ -4216,6 +4600,415 @@
     <p:extLst>
       <p:ext uri="{BB962C8B-B14F-4D97-AF65-F5344CB8AC3E}">
         <p14:creationId xmlns:p14="http://schemas.microsoft.com/office/powerpoint/2010/main" val="3755681741"/>
+      </p:ext>
+    </p:extLst>
+  </p:cSld>
+  <p:clrMapOvr>
+    <a:masterClrMapping/>
+  </p:clrMapOvr>
+</p:sld>
+</file>
+
+<file path=ppt/slides/slide7.xml><?xml version="1.0" encoding="utf-8"?>
+<p:sld xmlns:a="http://schemas.openxmlformats.org/drawingml/2006/main" xmlns:r="http://schemas.openxmlformats.org/officeDocument/2006/relationships" xmlns:p="http://schemas.openxmlformats.org/presentationml/2006/main">
+  <p:cSld>
+    <p:spTree>
+      <p:nvGrpSpPr>
+        <p:cNvPr id="1" name=""/>
+        <p:cNvGrpSpPr/>
+        <p:nvPr/>
+      </p:nvGrpSpPr>
+      <p:grpSpPr>
+        <a:xfrm>
+          <a:off x="0" y="0"/>
+          <a:ext cx="0" cy="0"/>
+          <a:chOff x="0" y="0"/>
+          <a:chExt cx="0" cy="0"/>
+        </a:xfrm>
+      </p:grpSpPr>
+      <p:sp>
+        <p:nvSpPr>
+          <p:cNvPr id="2" name="Title 1">
+            <a:extLst>
+              <a:ext uri="{FF2B5EF4-FFF2-40B4-BE49-F238E27FC236}">
+                <a16:creationId xmlns:a16="http://schemas.microsoft.com/office/drawing/2014/main" id="{9CD52207-8C86-B558-80CE-1E6E8398E5D5}"/>
+              </a:ext>
+            </a:extLst>
+          </p:cNvPr>
+          <p:cNvSpPr>
+            <a:spLocks noGrp="1"/>
+          </p:cNvSpPr>
+          <p:nvPr>
+            <p:ph type="title"/>
+          </p:nvPr>
+        </p:nvSpPr>
+        <p:spPr/>
+        <p:txBody>
+          <a:bodyPr/>
+          <a:lstStyle/>
+          <a:p>
+            <a:r>
+              <a:rPr lang="en-CA" dirty="0"/>
+              <a:t>K- Nearest Neighbor</a:t>
+            </a:r>
+          </a:p>
+        </p:txBody>
+      </p:sp>
+      <p:sp>
+        <p:nvSpPr>
+          <p:cNvPr id="3" name="Content Placeholder 2">
+            <a:extLst>
+              <a:ext uri="{FF2B5EF4-FFF2-40B4-BE49-F238E27FC236}">
+                <a16:creationId xmlns:a16="http://schemas.microsoft.com/office/drawing/2014/main" id="{941D51A1-F378-5234-AE23-32B1C4A649DA}"/>
+              </a:ext>
+            </a:extLst>
+          </p:cNvPr>
+          <p:cNvSpPr>
+            <a:spLocks noGrp="1"/>
+          </p:cNvSpPr>
+          <p:nvPr>
+            <p:ph idx="1"/>
+          </p:nvPr>
+        </p:nvSpPr>
+        <p:spPr/>
+        <p:txBody>
+          <a:bodyPr/>
+          <a:lstStyle/>
+          <a:p>
+            <a:endParaRPr lang="en-CA" dirty="0"/>
+          </a:p>
+        </p:txBody>
+      </p:sp>
+    </p:spTree>
+    <p:extLst>
+      <p:ext uri="{BB962C8B-B14F-4D97-AF65-F5344CB8AC3E}">
+        <p14:creationId xmlns:p14="http://schemas.microsoft.com/office/powerpoint/2010/main" val="3059276040"/>
+      </p:ext>
+    </p:extLst>
+  </p:cSld>
+  <p:clrMapOvr>
+    <a:masterClrMapping/>
+  </p:clrMapOvr>
+</p:sld>
+</file>
+
+<file path=ppt/slides/slide8.xml><?xml version="1.0" encoding="utf-8"?>
+<p:sld xmlns:a="http://schemas.openxmlformats.org/drawingml/2006/main" xmlns:r="http://schemas.openxmlformats.org/officeDocument/2006/relationships" xmlns:p="http://schemas.openxmlformats.org/presentationml/2006/main">
+  <p:cSld>
+    <p:spTree>
+      <p:nvGrpSpPr>
+        <p:cNvPr id="1" name=""/>
+        <p:cNvGrpSpPr/>
+        <p:nvPr/>
+      </p:nvGrpSpPr>
+      <p:grpSpPr>
+        <a:xfrm>
+          <a:off x="0" y="0"/>
+          <a:ext cx="0" cy="0"/>
+          <a:chOff x="0" y="0"/>
+          <a:chExt cx="0" cy="0"/>
+        </a:xfrm>
+      </p:grpSpPr>
+      <p:sp>
+        <p:nvSpPr>
+          <p:cNvPr id="2" name="Title 1">
+            <a:extLst>
+              <a:ext uri="{FF2B5EF4-FFF2-40B4-BE49-F238E27FC236}">
+                <a16:creationId xmlns:a16="http://schemas.microsoft.com/office/drawing/2014/main" id="{2C2E52DF-6216-E397-47FC-DA8246203F26}"/>
+              </a:ext>
+            </a:extLst>
+          </p:cNvPr>
+          <p:cNvSpPr>
+            <a:spLocks noGrp="1"/>
+          </p:cNvSpPr>
+          <p:nvPr>
+            <p:ph type="title"/>
+          </p:nvPr>
+        </p:nvSpPr>
+        <p:spPr/>
+        <p:txBody>
+          <a:bodyPr/>
+          <a:lstStyle/>
+          <a:p>
+            <a:r>
+              <a:rPr lang="en-CA" dirty="0"/>
+              <a:t>Linear Classifier</a:t>
+            </a:r>
+          </a:p>
+        </p:txBody>
+      </p:sp>
+      <p:sp>
+        <p:nvSpPr>
+          <p:cNvPr id="3" name="Content Placeholder 2">
+            <a:extLst>
+              <a:ext uri="{FF2B5EF4-FFF2-40B4-BE49-F238E27FC236}">
+                <a16:creationId xmlns:a16="http://schemas.microsoft.com/office/drawing/2014/main" id="{A78F6456-C1C4-B73D-0919-9BD1BF40EA2A}"/>
+              </a:ext>
+            </a:extLst>
+          </p:cNvPr>
+          <p:cNvSpPr>
+            <a:spLocks noGrp="1"/>
+          </p:cNvSpPr>
+          <p:nvPr>
+            <p:ph idx="1"/>
+          </p:nvPr>
+        </p:nvSpPr>
+        <p:spPr/>
+        <p:txBody>
+          <a:bodyPr/>
+          <a:lstStyle/>
+          <a:p>
+            <a:r>
+              <a:rPr lang="en-CA" sz="2400" dirty="0"/>
+              <a:t>Parametric Approach </a:t>
+            </a:r>
+          </a:p>
+          <a:p>
+            <a:pPr lvl="1"/>
+            <a:r>
+              <a:rPr lang="en-CA" sz="1800" dirty="0"/>
+              <a:t>F(x, W) = W x + b</a:t>
+            </a:r>
+          </a:p>
+          <a:p>
+            <a:pPr lvl="1"/>
+            <a:endParaRPr lang="en-CA" dirty="0"/>
+          </a:p>
+          <a:p>
+            <a:r>
+              <a:rPr lang="en-CA" sz="2400" dirty="0" err="1"/>
+              <a:t>Softmax</a:t>
+            </a:r>
+            <a:r>
+              <a:rPr lang="en-CA" sz="2400" dirty="0"/>
+              <a:t> Classifier (Multinomial Logistic Regression)</a:t>
+            </a:r>
+          </a:p>
+          <a:p>
+            <a:endParaRPr lang="en-CA" sz="2400" dirty="0"/>
+          </a:p>
+          <a:p>
+            <a:endParaRPr lang="en-CA" sz="2400" dirty="0"/>
+          </a:p>
+          <a:p>
+            <a:endParaRPr lang="en-CA" sz="2400" dirty="0"/>
+          </a:p>
+          <a:p>
+            <a:r>
+              <a:rPr lang="en-CA" sz="2400" dirty="0"/>
+              <a:t>Loss function</a:t>
+            </a:r>
+          </a:p>
+        </p:txBody>
+      </p:sp>
+      <p:pic>
+        <p:nvPicPr>
+          <p:cNvPr id="5" name="Picture 4">
+            <a:extLst>
+              <a:ext uri="{FF2B5EF4-FFF2-40B4-BE49-F238E27FC236}">
+                <a16:creationId xmlns:a16="http://schemas.microsoft.com/office/drawing/2014/main" id="{27EC2C05-1D69-E50C-AABF-A01220AFA1ED}"/>
+              </a:ext>
+            </a:extLst>
+          </p:cNvPr>
+          <p:cNvPicPr>
+            <a:picLocks noChangeAspect="1"/>
+          </p:cNvPicPr>
+          <p:nvPr/>
+        </p:nvPicPr>
+        <p:blipFill>
+          <a:blip r:embed="rId2"/>
+          <a:stretch>
+            <a:fillRect/>
+          </a:stretch>
+        </p:blipFill>
+        <p:spPr>
+          <a:xfrm>
+            <a:off x="1680308" y="3429000"/>
+            <a:ext cx="4267827" cy="703114"/>
+          </a:xfrm>
+          <a:prstGeom prst="rect">
+            <a:avLst/>
+          </a:prstGeom>
+        </p:spPr>
+      </p:pic>
+    </p:spTree>
+    <p:extLst>
+      <p:ext uri="{BB962C8B-B14F-4D97-AF65-F5344CB8AC3E}">
+        <p14:creationId xmlns:p14="http://schemas.microsoft.com/office/powerpoint/2010/main" val="871132373"/>
+      </p:ext>
+    </p:extLst>
+  </p:cSld>
+  <p:clrMapOvr>
+    <a:masterClrMapping/>
+  </p:clrMapOvr>
+</p:sld>
+</file>
+
+<file path=ppt/slides/slide9.xml><?xml version="1.0" encoding="utf-8"?>
+<p:sld xmlns:a="http://schemas.openxmlformats.org/drawingml/2006/main" xmlns:r="http://schemas.openxmlformats.org/officeDocument/2006/relationships" xmlns:p="http://schemas.openxmlformats.org/presentationml/2006/main">
+  <p:cSld>
+    <p:spTree>
+      <p:nvGrpSpPr>
+        <p:cNvPr id="1" name=""/>
+        <p:cNvGrpSpPr/>
+        <p:nvPr/>
+      </p:nvGrpSpPr>
+      <p:grpSpPr>
+        <a:xfrm>
+          <a:off x="0" y="0"/>
+          <a:ext cx="0" cy="0"/>
+          <a:chOff x="0" y="0"/>
+          <a:chExt cx="0" cy="0"/>
+        </a:xfrm>
+      </p:grpSpPr>
+      <p:sp>
+        <p:nvSpPr>
+          <p:cNvPr id="2" name="Title 1">
+            <a:extLst>
+              <a:ext uri="{FF2B5EF4-FFF2-40B4-BE49-F238E27FC236}">
+                <a16:creationId xmlns:a16="http://schemas.microsoft.com/office/drawing/2014/main" id="{03650470-BDF0-F62F-73D9-BDFB84C53E61}"/>
+              </a:ext>
+            </a:extLst>
+          </p:cNvPr>
+          <p:cNvSpPr>
+            <a:spLocks noGrp="1"/>
+          </p:cNvSpPr>
+          <p:nvPr>
+            <p:ph type="title"/>
+          </p:nvPr>
+        </p:nvSpPr>
+        <p:spPr>
+          <a:xfrm>
+            <a:off x="361461" y="208817"/>
+            <a:ext cx="10515600" cy="1325563"/>
+          </a:xfrm>
+        </p:spPr>
+        <p:txBody>
+          <a:bodyPr/>
+          <a:lstStyle/>
+          <a:p>
+            <a:r>
+              <a:rPr lang="en-CA" dirty="0" err="1"/>
+              <a:t>Softmax</a:t>
+            </a:r>
+            <a:r>
+              <a:rPr lang="en-CA" dirty="0"/>
+              <a:t>()</a:t>
+            </a:r>
+          </a:p>
+        </p:txBody>
+      </p:sp>
+      <p:sp>
+        <p:nvSpPr>
+          <p:cNvPr id="3" name="Content Placeholder 2">
+            <a:extLst>
+              <a:ext uri="{FF2B5EF4-FFF2-40B4-BE49-F238E27FC236}">
+                <a16:creationId xmlns:a16="http://schemas.microsoft.com/office/drawing/2014/main" id="{0117693A-B644-E2D7-5168-25ED6A082D9B}"/>
+              </a:ext>
+            </a:extLst>
+          </p:cNvPr>
+          <p:cNvSpPr>
+            <a:spLocks noGrp="1"/>
+          </p:cNvSpPr>
+          <p:nvPr>
+            <p:ph idx="1"/>
+          </p:nvPr>
+        </p:nvSpPr>
+        <p:spPr>
+          <a:xfrm>
+            <a:off x="853830" y="1759926"/>
+            <a:ext cx="1733062" cy="2519729"/>
+          </a:xfrm>
+        </p:spPr>
+        <p:txBody>
+          <a:bodyPr>
+            <a:normAutofit/>
+          </a:bodyPr>
+          <a:lstStyle/>
+          <a:p>
+            <a:pPr marL="0" indent="0">
+              <a:buNone/>
+            </a:pPr>
+            <a:r>
+              <a:rPr lang="en-US" sz="1200" dirty="0"/>
+              <a:t>scores = [</a:t>
+            </a:r>
+          </a:p>
+          <a:p>
+            <a:pPr marL="0" indent="0">
+              <a:buNone/>
+            </a:pPr>
+            <a:r>
+              <a:rPr lang="en-US" sz="1200" dirty="0"/>
+              <a:t>-96.8,    # cat score</a:t>
+            </a:r>
+          </a:p>
+          <a:p>
+            <a:pPr marL="0" indent="0">
+              <a:buNone/>
+            </a:pPr>
+            <a:r>
+              <a:rPr lang="en-US" sz="1200" dirty="0"/>
+              <a:t>437.9,    # dog score</a:t>
+            </a:r>
+          </a:p>
+          <a:p>
+            <a:pPr marL="0" indent="0">
+              <a:buNone/>
+            </a:pPr>
+            <a:r>
+              <a:rPr lang="en-US" sz="1200" dirty="0"/>
+              <a:t>61.95    # ship score</a:t>
+            </a:r>
+          </a:p>
+          <a:p>
+            <a:pPr marL="0" indent="0">
+              <a:buNone/>
+            </a:pPr>
+            <a:r>
+              <a:rPr lang="en-US" sz="1200" dirty="0"/>
+              <a:t>]</a:t>
+            </a:r>
+          </a:p>
+          <a:p>
+            <a:endParaRPr lang="en-CA" sz="1200" dirty="0"/>
+          </a:p>
+        </p:txBody>
+      </p:sp>
+      <p:pic>
+        <p:nvPicPr>
+          <p:cNvPr id="7" name="Picture 6">
+            <a:extLst>
+              <a:ext uri="{FF2B5EF4-FFF2-40B4-BE49-F238E27FC236}">
+                <a16:creationId xmlns:a16="http://schemas.microsoft.com/office/drawing/2014/main" id="{CD5A0B5C-C001-979B-FFA5-A963C81F7E94}"/>
+              </a:ext>
+            </a:extLst>
+          </p:cNvPr>
+          <p:cNvPicPr>
+            <a:picLocks noChangeAspect="1"/>
+          </p:cNvPicPr>
+          <p:nvPr/>
+        </p:nvPicPr>
+        <p:blipFill>
+          <a:blip r:embed="rId2"/>
+          <a:stretch>
+            <a:fillRect/>
+          </a:stretch>
+        </p:blipFill>
+        <p:spPr>
+          <a:xfrm>
+            <a:off x="5021623" y="1421240"/>
+            <a:ext cx="5306165" cy="3858163"/>
+          </a:xfrm>
+          <a:prstGeom prst="rect">
+            <a:avLst/>
+          </a:prstGeom>
+        </p:spPr>
+      </p:pic>
+    </p:spTree>
+    <p:extLst>
+      <p:ext uri="{BB962C8B-B14F-4D97-AF65-F5344CB8AC3E}">
+        <p14:creationId xmlns:p14="http://schemas.microsoft.com/office/powerpoint/2010/main" val="125694420"/>
       </p:ext>
     </p:extLst>
   </p:cSld>
